--- a/docs/presentatie.pptx
+++ b/docs/presentatie.pptx
@@ -11,11 +11,11 @@
     <p:sldId id="258" r:id="rId5"/>
     <p:sldId id="269" r:id="rId6"/>
     <p:sldId id="263" r:id="rId7"/>
-    <p:sldId id="261" r:id="rId8"/>
-    <p:sldId id="272" r:id="rId9"/>
-    <p:sldId id="273" r:id="rId10"/>
-    <p:sldId id="274" r:id="rId11"/>
-    <p:sldId id="275" r:id="rId12"/>
+    <p:sldId id="276" r:id="rId8"/>
+    <p:sldId id="261" r:id="rId9"/>
+    <p:sldId id="272" r:id="rId10"/>
+    <p:sldId id="273" r:id="rId11"/>
+    <p:sldId id="274" r:id="rId12"/>
     <p:sldId id="268" r:id="rId13"/>
     <p:sldId id="271" r:id="rId14"/>
     <p:sldId id="266" r:id="rId15"/>
@@ -3530,7 +3530,7 @@
           <p:cNvPr id="2" name="Titel 1">
             <a:extLst>
               <a:ext uri="{FF2B5EF4-FFF2-40B4-BE49-F238E27FC236}">
-                <a16:creationId xmlns:a16="http://schemas.microsoft.com/office/drawing/2014/main" id="{F99B9068-5938-4AF7-BE45-757DBBE4D6CA}"/>
+                <a16:creationId xmlns:a16="http://schemas.microsoft.com/office/drawing/2014/main" id="{4178F6D0-6FA0-4FB4-8CCB-F3F52200336D}"/>
               </a:ext>
             </a:extLst>
           </p:cNvPr>
@@ -3552,19 +3552,17 @@
       </p:sp>
       <p:pic>
         <p:nvPicPr>
-          <p:cNvPr id="6" name="Tijdelijke aanduiding voor inhoud 5">
+          <p:cNvPr id="6" name="Afbeelding 5">
             <a:extLst>
               <a:ext uri="{FF2B5EF4-FFF2-40B4-BE49-F238E27FC236}">
-                <a16:creationId xmlns:a16="http://schemas.microsoft.com/office/drawing/2014/main" id="{C13346DD-52C7-43CB-B0EA-D2872583B30C}"/>
+                <a16:creationId xmlns:a16="http://schemas.microsoft.com/office/drawing/2014/main" id="{6273F82A-EDE6-4093-B306-01DC34F3E28C}"/>
               </a:ext>
             </a:extLst>
           </p:cNvPr>
           <p:cNvPicPr>
-            <a:picLocks noGrp="1" noChangeAspect="1"/>
+            <a:picLocks noChangeAspect="1"/>
           </p:cNvPicPr>
-          <p:nvPr>
-            <p:ph idx="1"/>
-          </p:nvPr>
+          <p:nvPr/>
         </p:nvPicPr>
         <p:blipFill>
           <a:blip r:embed="rId2">
@@ -3580,17 +3578,20 @@
         </p:blipFill>
         <p:spPr>
           <a:xfrm>
-            <a:off x="8087978" y="0"/>
-            <a:ext cx="3571875" cy="4181475"/>
+            <a:off x="624139" y="0"/>
+            <a:ext cx="3484756" cy="6858000"/>
           </a:xfrm>
+          <a:prstGeom prst="rect">
+            <a:avLst/>
+          </a:prstGeom>
         </p:spPr>
       </p:pic>
       <p:pic>
         <p:nvPicPr>
-          <p:cNvPr id="4" name="Afbeelding 3">
+          <p:cNvPr id="7" name="Afbeelding 6">
             <a:extLst>
               <a:ext uri="{FF2B5EF4-FFF2-40B4-BE49-F238E27FC236}">
-                <a16:creationId xmlns:a16="http://schemas.microsoft.com/office/drawing/2014/main" id="{A4B48CE9-4655-4F5B-943A-EFA08CF352E2}"/>
+                <a16:creationId xmlns:a16="http://schemas.microsoft.com/office/drawing/2014/main" id="{F904C232-EB61-4AF2-AD58-665FE2280640}"/>
               </a:ext>
             </a:extLst>
           </p:cNvPr>
@@ -3613,44 +3614,8 @@
         </p:blipFill>
         <p:spPr>
           <a:xfrm>
-            <a:off x="532146" y="0"/>
-            <a:ext cx="3571875" cy="6848475"/>
-          </a:xfrm>
-          <a:prstGeom prst="rect">
-            <a:avLst/>
-          </a:prstGeom>
-        </p:spPr>
-      </p:pic>
-      <p:pic>
-        <p:nvPicPr>
-          <p:cNvPr id="8" name="Afbeelding 7">
-            <a:extLst>
-              <a:ext uri="{FF2B5EF4-FFF2-40B4-BE49-F238E27FC236}">
-                <a16:creationId xmlns:a16="http://schemas.microsoft.com/office/drawing/2014/main" id="{BA48FDCB-C631-4187-838A-F7E4FE56CBEE}"/>
-              </a:ext>
-            </a:extLst>
-          </p:cNvPr>
-          <p:cNvPicPr>
-            <a:picLocks noChangeAspect="1"/>
-          </p:cNvPicPr>
-          <p:nvPr/>
-        </p:nvPicPr>
-        <p:blipFill>
-          <a:blip r:embed="rId4">
-            <a:extLst>
-              <a:ext uri="{28A0092B-C50C-407E-A947-70E740481C1C}">
-                <a14:useLocalDpi xmlns:a14="http://schemas.microsoft.com/office/drawing/2010/main" val="0"/>
-              </a:ext>
-            </a:extLst>
-          </a:blip>
-          <a:stretch>
-            <a:fillRect/>
-          </a:stretch>
-        </p:blipFill>
-        <p:spPr>
-          <a:xfrm>
-            <a:off x="4415117" y="0"/>
-            <a:ext cx="3361765" cy="6858000"/>
+            <a:off x="4511232" y="0"/>
+            <a:ext cx="3571875" cy="5448300"/>
           </a:xfrm>
           <a:prstGeom prst="rect">
             <a:avLst/>
@@ -3660,7 +3625,7 @@
     </p:spTree>
     <p:extLst>
       <p:ext uri="{BB962C8B-B14F-4D97-AF65-F5344CB8AC3E}">
-        <p14:creationId xmlns:p14="http://schemas.microsoft.com/office/powerpoint/2010/main" val="1991045316"/>
+        <p14:creationId xmlns:p14="http://schemas.microsoft.com/office/powerpoint/2010/main" val="3943376357"/>
       </p:ext>
     </p:extLst>
   </p:cSld>
@@ -3692,7 +3657,7 @@
           <p:cNvPr id="2" name="Titel 1">
             <a:extLst>
               <a:ext uri="{FF2B5EF4-FFF2-40B4-BE49-F238E27FC236}">
-                <a16:creationId xmlns:a16="http://schemas.microsoft.com/office/drawing/2014/main" id="{A0592CEF-93CF-40ED-A001-91EC6E85FCCC}"/>
+                <a16:creationId xmlns:a16="http://schemas.microsoft.com/office/drawing/2014/main" id="{F99B9068-5938-4AF7-BE45-757DBBE4D6CA}"/>
               </a:ext>
             </a:extLst>
           </p:cNvPr>
@@ -3717,7 +3682,7 @@
           <p:cNvPr id="6" name="Tijdelijke aanduiding voor inhoud 5">
             <a:extLst>
               <a:ext uri="{FF2B5EF4-FFF2-40B4-BE49-F238E27FC236}">
-                <a16:creationId xmlns:a16="http://schemas.microsoft.com/office/drawing/2014/main" id="{45B5FF13-271C-4B91-8F78-7A09F6C5D23D}"/>
+                <a16:creationId xmlns:a16="http://schemas.microsoft.com/office/drawing/2014/main" id="{C13346DD-52C7-43CB-B0EA-D2872583B30C}"/>
               </a:ext>
             </a:extLst>
           </p:cNvPr>
@@ -3742,8 +3707,8 @@
         </p:blipFill>
         <p:spPr>
           <a:xfrm>
-            <a:off x="4481059" y="545592"/>
-            <a:ext cx="2192326" cy="5121275"/>
+            <a:off x="8087981" y="0"/>
+            <a:ext cx="3571875" cy="4181475"/>
           </a:xfrm>
         </p:spPr>
       </p:pic>
@@ -3752,7 +3717,7 @@
           <p:cNvPr id="4" name="Afbeelding 3">
             <a:extLst>
               <a:ext uri="{FF2B5EF4-FFF2-40B4-BE49-F238E27FC236}">
-                <a16:creationId xmlns:a16="http://schemas.microsoft.com/office/drawing/2014/main" id="{9E27286D-0A4D-4F41-B553-E29AA81A6323}"/>
+                <a16:creationId xmlns:a16="http://schemas.microsoft.com/office/drawing/2014/main" id="{A4B48CE9-4655-4F5B-943A-EFA08CF352E2}"/>
               </a:ext>
             </a:extLst>
           </p:cNvPr>
@@ -3775,8 +3740,44 @@
         </p:blipFill>
         <p:spPr>
           <a:xfrm>
-            <a:off x="297393" y="545592"/>
-            <a:ext cx="3571875" cy="5448300"/>
+            <a:off x="532146" y="0"/>
+            <a:ext cx="3571875" cy="6848475"/>
+          </a:xfrm>
+          <a:prstGeom prst="rect">
+            <a:avLst/>
+          </a:prstGeom>
+        </p:spPr>
+      </p:pic>
+      <p:pic>
+        <p:nvPicPr>
+          <p:cNvPr id="9" name="Tijdelijke aanduiding voor inhoud 5">
+            <a:extLst>
+              <a:ext uri="{FF2B5EF4-FFF2-40B4-BE49-F238E27FC236}">
+                <a16:creationId xmlns:a16="http://schemas.microsoft.com/office/drawing/2014/main" id="{66C91525-3980-4D4C-9DDF-0A1A73C1E5C3}"/>
+              </a:ext>
+            </a:extLst>
+          </p:cNvPr>
+          <p:cNvPicPr>
+            <a:picLocks noChangeAspect="1"/>
+          </p:cNvPicPr>
+          <p:nvPr/>
+        </p:nvPicPr>
+        <p:blipFill>
+          <a:blip r:embed="rId4">
+            <a:extLst>
+              <a:ext uri="{28A0092B-C50C-407E-A947-70E740481C1C}">
+                <a14:useLocalDpi xmlns:a14="http://schemas.microsoft.com/office/drawing/2010/main" val="0"/>
+              </a:ext>
+            </a:extLst>
+          </a:blip>
+          <a:stretch>
+            <a:fillRect/>
+          </a:stretch>
+        </p:blipFill>
+        <p:spPr>
+          <a:xfrm>
+            <a:off x="4630024" y="0"/>
+            <a:ext cx="2931952" cy="6849042"/>
           </a:xfrm>
           <a:prstGeom prst="rect">
             <a:avLst/>
@@ -3786,7 +3787,7 @@
     </p:spTree>
     <p:extLst>
       <p:ext uri="{BB962C8B-B14F-4D97-AF65-F5344CB8AC3E}">
-        <p14:creationId xmlns:p14="http://schemas.microsoft.com/office/powerpoint/2010/main" val="103194361"/>
+        <p14:creationId xmlns:p14="http://schemas.microsoft.com/office/powerpoint/2010/main" val="1991045316"/>
       </p:ext>
     </p:extLst>
   </p:cSld>
@@ -4708,7 +4709,7 @@
         </p:blipFill>
         <p:spPr>
           <a:xfrm>
-            <a:off x="3598313" y="0"/>
+            <a:off x="2612637" y="-4572"/>
             <a:ext cx="3288683" cy="6858000"/>
           </a:xfrm>
           <a:prstGeom prst="rect">
@@ -4718,10 +4719,10 @@
       </p:pic>
       <p:pic>
         <p:nvPicPr>
-          <p:cNvPr id="22" name="Afbeelding 21">
+          <p:cNvPr id="7" name="Afbeelding 6">
             <a:extLst>
               <a:ext uri="{FF2B5EF4-FFF2-40B4-BE49-F238E27FC236}">
-                <a16:creationId xmlns:a16="http://schemas.microsoft.com/office/drawing/2014/main" id="{DD4739C4-7788-483C-AB60-845B3FB108C4}"/>
+                <a16:creationId xmlns:a16="http://schemas.microsoft.com/office/drawing/2014/main" id="{D574854B-80D7-461D-B5B2-266682C50B44}"/>
               </a:ext>
             </a:extLst>
           </p:cNvPr>
@@ -4744,8 +4745,8 @@
         </p:blipFill>
         <p:spPr>
           <a:xfrm>
-            <a:off x="173671" y="0"/>
-            <a:ext cx="3105978" cy="6858000"/>
+            <a:off x="436655" y="0"/>
+            <a:ext cx="1843548" cy="6858000"/>
           </a:xfrm>
           <a:prstGeom prst="rect">
             <a:avLst/>
@@ -4754,10 +4755,10 @@
       </p:pic>
       <p:pic>
         <p:nvPicPr>
-          <p:cNvPr id="24" name="Afbeelding 23">
+          <p:cNvPr id="8" name="Afbeelding 7">
             <a:extLst>
               <a:ext uri="{FF2B5EF4-FFF2-40B4-BE49-F238E27FC236}">
-                <a16:creationId xmlns:a16="http://schemas.microsoft.com/office/drawing/2014/main" id="{FCE2D084-7A0E-4269-939A-A50307809BBA}"/>
+                <a16:creationId xmlns:a16="http://schemas.microsoft.com/office/drawing/2014/main" id="{88572700-80AF-4980-B06E-BD52086961DE}"/>
               </a:ext>
             </a:extLst>
           </p:cNvPr>
@@ -4780,8 +4781,8 @@
         </p:blipFill>
         <p:spPr>
           <a:xfrm>
-            <a:off x="7126412" y="-4572"/>
-            <a:ext cx="3571875" cy="4676775"/>
+            <a:off x="9249611" y="-4572"/>
+            <a:ext cx="2801601" cy="5065295"/>
           </a:xfrm>
           <a:prstGeom prst="rect">
             <a:avLst/>
@@ -4790,17 +4791,19 @@
       </p:pic>
       <p:pic>
         <p:nvPicPr>
-          <p:cNvPr id="26" name="Afbeelding 25">
+          <p:cNvPr id="11" name="Tijdelijke aanduiding voor inhoud 3">
             <a:extLst>
               <a:ext uri="{FF2B5EF4-FFF2-40B4-BE49-F238E27FC236}">
-                <a16:creationId xmlns:a16="http://schemas.microsoft.com/office/drawing/2014/main" id="{4D50D129-F5E7-4658-99AB-C202052D7F83}"/>
+                <a16:creationId xmlns:a16="http://schemas.microsoft.com/office/drawing/2014/main" id="{30AC86D7-2D31-4882-9B8C-CEE9045FC433}"/>
               </a:ext>
             </a:extLst>
           </p:cNvPr>
           <p:cNvPicPr>
-            <a:picLocks noChangeAspect="1"/>
+            <a:picLocks noGrp="1" noChangeAspect="1"/>
           </p:cNvPicPr>
-          <p:nvPr/>
+          <p:nvPr>
+            <p:ph idx="1"/>
+          </p:nvPr>
         </p:nvPicPr>
         <p:blipFill>
           <a:blip r:embed="rId5">
@@ -4816,8 +4819,8 @@
         </p:blipFill>
         <p:spPr>
           <a:xfrm>
-            <a:off x="9547568" y="-4572"/>
-            <a:ext cx="2780270" cy="6858000"/>
+            <a:off x="6290682" y="0"/>
+            <a:ext cx="2660813" cy="3114925"/>
           </a:xfrm>
           <a:prstGeom prst="rect">
             <a:avLst/>
@@ -4859,7 +4862,7 @@
           <p:cNvPr id="2" name="Titel 1">
             <a:extLst>
               <a:ext uri="{FF2B5EF4-FFF2-40B4-BE49-F238E27FC236}">
-                <a16:creationId xmlns:a16="http://schemas.microsoft.com/office/drawing/2014/main" id="{B73A2B74-4CA7-4F11-B58A-3AD067F557FB}"/>
+                <a16:creationId xmlns:a16="http://schemas.microsoft.com/office/drawing/2014/main" id="{93E61788-E7EE-4E5A-A193-44DC31A48DFA}"/>
               </a:ext>
             </a:extLst>
           </p:cNvPr>
@@ -4875,26 +4878,25 @@
           <a:bodyPr/>
           <a:lstStyle/>
           <a:p>
-            <a:r>
-              <a:rPr lang="nl-BE" dirty="0"/>
-              <a:t>Visual Designs</a:t>
-            </a:r>
+            <a:endParaRPr lang="nl-BE"/>
           </a:p>
         </p:txBody>
       </p:sp>
       <p:pic>
         <p:nvPicPr>
-          <p:cNvPr id="14" name="Afbeelding 13">
+          <p:cNvPr id="4" name="Tijdelijke aanduiding voor inhoud 3">
             <a:extLst>
               <a:ext uri="{FF2B5EF4-FFF2-40B4-BE49-F238E27FC236}">
-                <a16:creationId xmlns:a16="http://schemas.microsoft.com/office/drawing/2014/main" id="{901B5653-CAD7-44EC-B7DB-CBE3FFA6E513}"/>
+                <a16:creationId xmlns:a16="http://schemas.microsoft.com/office/drawing/2014/main" id="{59C66454-2A6D-4591-88A5-2C6B72753C0B}"/>
               </a:ext>
             </a:extLst>
           </p:cNvPr>
           <p:cNvPicPr>
-            <a:picLocks noChangeAspect="1"/>
+            <a:picLocks noGrp="1" noChangeAspect="1"/>
           </p:cNvPicPr>
-          <p:nvPr/>
+          <p:nvPr>
+            <p:ph idx="1"/>
+          </p:nvPr>
         </p:nvPicPr>
         <p:blipFill>
           <a:blip r:embed="rId2">
@@ -4910,8 +4912,8 @@
         </p:blipFill>
         <p:spPr>
           <a:xfrm>
-            <a:off x="252919" y="-9144"/>
-            <a:ext cx="2651289" cy="6858000"/>
+            <a:off x="6336246" y="0"/>
+            <a:ext cx="2319418" cy="5121275"/>
           </a:xfrm>
           <a:prstGeom prst="rect">
             <a:avLst/>
@@ -4920,10 +4922,10 @@
       </p:pic>
       <p:pic>
         <p:nvPicPr>
-          <p:cNvPr id="16" name="Afbeelding 15">
+          <p:cNvPr id="5" name="Afbeelding 4">
             <a:extLst>
               <a:ext uri="{FF2B5EF4-FFF2-40B4-BE49-F238E27FC236}">
-                <a16:creationId xmlns:a16="http://schemas.microsoft.com/office/drawing/2014/main" id="{DE31287E-C384-4E65-9EF1-2794CB562596}"/>
+                <a16:creationId xmlns:a16="http://schemas.microsoft.com/office/drawing/2014/main" id="{23EC63B5-794D-46CC-ADA4-52717C9B1758}"/>
               </a:ext>
             </a:extLst>
           </p:cNvPr>
@@ -4946,8 +4948,8 @@
         </p:blipFill>
         <p:spPr>
           <a:xfrm>
-            <a:off x="3618991" y="0"/>
-            <a:ext cx="1556749" cy="6858000"/>
+            <a:off x="8841958" y="0"/>
+            <a:ext cx="3571875" cy="4676775"/>
           </a:xfrm>
           <a:prstGeom prst="rect">
             <a:avLst/>
@@ -4956,10 +4958,10 @@
       </p:pic>
       <p:pic>
         <p:nvPicPr>
-          <p:cNvPr id="19" name="Afbeelding 18">
+          <p:cNvPr id="7" name="Afbeelding 6">
             <a:extLst>
               <a:ext uri="{FF2B5EF4-FFF2-40B4-BE49-F238E27FC236}">
-                <a16:creationId xmlns:a16="http://schemas.microsoft.com/office/drawing/2014/main" id="{9599A538-26D3-4219-BAA2-0B23AFF3733E}"/>
+                <a16:creationId xmlns:a16="http://schemas.microsoft.com/office/drawing/2014/main" id="{FE198BF2-65D9-446F-994B-BD182AB6423C}"/>
               </a:ext>
             </a:extLst>
           </p:cNvPr>
@@ -4982,8 +4984,8 @@
         </p:blipFill>
         <p:spPr>
           <a:xfrm>
-            <a:off x="5723012" y="0"/>
-            <a:ext cx="1843548" cy="6858000"/>
+            <a:off x="346943" y="-4572"/>
+            <a:ext cx="2573983" cy="6658035"/>
           </a:xfrm>
           <a:prstGeom prst="rect">
             <a:avLst/>
@@ -4992,10 +4994,10 @@
       </p:pic>
       <p:pic>
         <p:nvPicPr>
-          <p:cNvPr id="21" name="Afbeelding 20">
+          <p:cNvPr id="8" name="Tijdelijke aanduiding voor inhoud 8">
             <a:extLst>
               <a:ext uri="{FF2B5EF4-FFF2-40B4-BE49-F238E27FC236}">
-                <a16:creationId xmlns:a16="http://schemas.microsoft.com/office/drawing/2014/main" id="{0B9832A1-BC41-4F53-AE3C-D26061057523}"/>
+                <a16:creationId xmlns:a16="http://schemas.microsoft.com/office/drawing/2014/main" id="{61705267-1C3D-4C9F-B778-1AF7F4FACBF2}"/>
               </a:ext>
             </a:extLst>
           </p:cNvPr>
@@ -5018,8 +5020,8 @@
         </p:blipFill>
         <p:spPr>
           <a:xfrm>
-            <a:off x="8113832" y="0"/>
-            <a:ext cx="3571875" cy="6353175"/>
+            <a:off x="3200401" y="0"/>
+            <a:ext cx="2856370" cy="5065296"/>
           </a:xfrm>
           <a:prstGeom prst="rect">
             <a:avLst/>
@@ -5029,7 +5031,7 @@
     </p:spTree>
     <p:extLst>
       <p:ext uri="{BB962C8B-B14F-4D97-AF65-F5344CB8AC3E}">
-        <p14:creationId xmlns:p14="http://schemas.microsoft.com/office/powerpoint/2010/main" val="4027805400"/>
+        <p14:creationId xmlns:p14="http://schemas.microsoft.com/office/powerpoint/2010/main" val="2262146739"/>
       </p:ext>
     </p:extLst>
   </p:cSld>
@@ -5061,7 +5063,7 @@
           <p:cNvPr id="2" name="Titel 1">
             <a:extLst>
               <a:ext uri="{FF2B5EF4-FFF2-40B4-BE49-F238E27FC236}">
-                <a16:creationId xmlns:a16="http://schemas.microsoft.com/office/drawing/2014/main" id="{59561ED5-14D6-45AB-ADE9-58C72FFF5FC6}"/>
+                <a16:creationId xmlns:a16="http://schemas.microsoft.com/office/drawing/2014/main" id="{B73A2B74-4CA7-4F11-B58A-3AD067F557FB}"/>
               </a:ext>
             </a:extLst>
           </p:cNvPr>
@@ -5077,25 +5079,26 @@
           <a:bodyPr/>
           <a:lstStyle/>
           <a:p>
-            <a:endParaRPr lang="nl-BE"/>
+            <a:r>
+              <a:rPr lang="nl-BE" dirty="0"/>
+              <a:t>Visual Designs</a:t>
+            </a:r>
           </a:p>
         </p:txBody>
       </p:sp>
       <p:pic>
         <p:nvPicPr>
-          <p:cNvPr id="9" name="Tijdelijke aanduiding voor inhoud 8">
+          <p:cNvPr id="16" name="Afbeelding 15">
             <a:extLst>
               <a:ext uri="{FF2B5EF4-FFF2-40B4-BE49-F238E27FC236}">
-                <a16:creationId xmlns:a16="http://schemas.microsoft.com/office/drawing/2014/main" id="{EDDFCD40-D1CD-4D5B-A05B-43EAE4F064CB}"/>
+                <a16:creationId xmlns:a16="http://schemas.microsoft.com/office/drawing/2014/main" id="{DE31287E-C384-4E65-9EF1-2794CB562596}"/>
               </a:ext>
             </a:extLst>
           </p:cNvPr>
           <p:cNvPicPr>
-            <a:picLocks noGrp="1" noChangeAspect="1"/>
+            <a:picLocks noChangeAspect="1"/>
           </p:cNvPicPr>
-          <p:nvPr>
-            <p:ph idx="1"/>
-          </p:nvPr>
+          <p:nvPr/>
         </p:nvPicPr>
         <p:blipFill>
           <a:blip r:embed="rId2">
@@ -5111,17 +5114,20 @@
         </p:blipFill>
         <p:spPr>
           <a:xfrm>
-            <a:off x="65498" y="863595"/>
-            <a:ext cx="2887937" cy="5121275"/>
+            <a:off x="252919" y="-4572"/>
+            <a:ext cx="1556749" cy="6858000"/>
           </a:xfrm>
+          <a:prstGeom prst="rect">
+            <a:avLst/>
+          </a:prstGeom>
         </p:spPr>
       </p:pic>
       <p:pic>
         <p:nvPicPr>
-          <p:cNvPr id="11" name="Afbeelding 10">
+          <p:cNvPr id="21" name="Afbeelding 20">
             <a:extLst>
               <a:ext uri="{FF2B5EF4-FFF2-40B4-BE49-F238E27FC236}">
-                <a16:creationId xmlns:a16="http://schemas.microsoft.com/office/drawing/2014/main" id="{EABB0275-BB0B-434C-A8FD-D3DCA36EFB66}"/>
+                <a16:creationId xmlns:a16="http://schemas.microsoft.com/office/drawing/2014/main" id="{0B9832A1-BC41-4F53-AE3C-D26061057523}"/>
               </a:ext>
             </a:extLst>
           </p:cNvPr>
@@ -5144,7 +5150,7 @@
         </p:blipFill>
         <p:spPr>
           <a:xfrm>
-            <a:off x="3200401" y="247647"/>
+            <a:off x="8620125" y="0"/>
             <a:ext cx="3571875" cy="6353175"/>
           </a:xfrm>
           <a:prstGeom prst="rect">
@@ -5154,10 +5160,10 @@
       </p:pic>
       <p:pic>
         <p:nvPicPr>
-          <p:cNvPr id="13" name="Afbeelding 12">
+          <p:cNvPr id="7" name="Afbeelding 6">
             <a:extLst>
               <a:ext uri="{FF2B5EF4-FFF2-40B4-BE49-F238E27FC236}">
-                <a16:creationId xmlns:a16="http://schemas.microsoft.com/office/drawing/2014/main" id="{A0DCFCF2-9A1D-4B74-BB45-E9C26160911D}"/>
+                <a16:creationId xmlns:a16="http://schemas.microsoft.com/office/drawing/2014/main" id="{4FDC7661-0E7A-41E8-A1EA-4356A11E54D0}"/>
               </a:ext>
             </a:extLst>
           </p:cNvPr>
@@ -5180,8 +5186,44 @@
         </p:blipFill>
         <p:spPr>
           <a:xfrm>
-            <a:off x="6959697" y="266696"/>
-            <a:ext cx="3571875" cy="6315075"/>
+            <a:off x="4900153" y="0"/>
+            <a:ext cx="3571875" cy="6353175"/>
+          </a:xfrm>
+          <a:prstGeom prst="rect">
+            <a:avLst/>
+          </a:prstGeom>
+        </p:spPr>
+      </p:pic>
+      <p:pic>
+        <p:nvPicPr>
+          <p:cNvPr id="8" name="Afbeelding 7">
+            <a:extLst>
+              <a:ext uri="{FF2B5EF4-FFF2-40B4-BE49-F238E27FC236}">
+                <a16:creationId xmlns:a16="http://schemas.microsoft.com/office/drawing/2014/main" id="{04A6320B-11D6-416E-A074-1F65E6674B10}"/>
+              </a:ext>
+            </a:extLst>
+          </p:cNvPr>
+          <p:cNvPicPr>
+            <a:picLocks noChangeAspect="1"/>
+          </p:cNvPicPr>
+          <p:nvPr/>
+        </p:nvPicPr>
+        <p:blipFill>
+          <a:blip r:embed="rId5">
+            <a:extLst>
+              <a:ext uri="{28A0092B-C50C-407E-A947-70E740481C1C}">
+                <a14:useLocalDpi xmlns:a14="http://schemas.microsoft.com/office/drawing/2010/main" val="0"/>
+              </a:ext>
+            </a:extLst>
+          </a:blip>
+          <a:stretch>
+            <a:fillRect/>
+          </a:stretch>
+        </p:blipFill>
+        <p:spPr>
+          <a:xfrm>
+            <a:off x="2036230" y="0"/>
+            <a:ext cx="2624536" cy="5354053"/>
           </a:xfrm>
           <a:prstGeom prst="rect">
             <a:avLst/>
@@ -5191,7 +5233,7 @@
     </p:spTree>
     <p:extLst>
       <p:ext uri="{BB962C8B-B14F-4D97-AF65-F5344CB8AC3E}">
-        <p14:creationId xmlns:p14="http://schemas.microsoft.com/office/powerpoint/2010/main" val="2500282421"/>
+        <p14:creationId xmlns:p14="http://schemas.microsoft.com/office/powerpoint/2010/main" val="4027805400"/>
       </p:ext>
     </p:extLst>
   </p:cSld>
@@ -5223,7 +5265,7 @@
           <p:cNvPr id="2" name="Titel 1">
             <a:extLst>
               <a:ext uri="{FF2B5EF4-FFF2-40B4-BE49-F238E27FC236}">
-                <a16:creationId xmlns:a16="http://schemas.microsoft.com/office/drawing/2014/main" id="{4178F6D0-6FA0-4FB4-8CCB-F3F52200336D}"/>
+                <a16:creationId xmlns:a16="http://schemas.microsoft.com/office/drawing/2014/main" id="{59561ED5-14D6-45AB-ADE9-58C72FFF5FC6}"/>
               </a:ext>
             </a:extLst>
           </p:cNvPr>
@@ -5245,19 +5287,17 @@
       </p:sp>
       <p:pic>
         <p:nvPicPr>
-          <p:cNvPr id="4" name="Tijdelijke aanduiding voor inhoud 3">
+          <p:cNvPr id="13" name="Afbeelding 12">
             <a:extLst>
               <a:ext uri="{FF2B5EF4-FFF2-40B4-BE49-F238E27FC236}">
-                <a16:creationId xmlns:a16="http://schemas.microsoft.com/office/drawing/2014/main" id="{487C2B61-EF06-4E76-8A3F-FED3447695FB}"/>
+                <a16:creationId xmlns:a16="http://schemas.microsoft.com/office/drawing/2014/main" id="{A0DCFCF2-9A1D-4B74-BB45-E9C26160911D}"/>
               </a:ext>
             </a:extLst>
           </p:cNvPr>
           <p:cNvPicPr>
-            <a:picLocks noGrp="1" noChangeAspect="1"/>
+            <a:picLocks noChangeAspect="1"/>
           </p:cNvPicPr>
-          <p:nvPr>
-            <p:ph idx="1"/>
-          </p:nvPr>
+          <p:nvPr/>
         </p:nvPicPr>
         <p:blipFill>
           <a:blip r:embed="rId2">
@@ -5273,8 +5313,8 @@
         </p:blipFill>
         <p:spPr>
           <a:xfrm>
-            <a:off x="0" y="1001378"/>
-            <a:ext cx="3571875" cy="4181475"/>
+            <a:off x="4404239" y="0"/>
+            <a:ext cx="3571875" cy="6315075"/>
           </a:xfrm>
           <a:prstGeom prst="rect">
             <a:avLst/>
@@ -5283,10 +5323,10 @@
       </p:pic>
       <p:pic>
         <p:nvPicPr>
-          <p:cNvPr id="6" name="Afbeelding 5">
+          <p:cNvPr id="7" name="Afbeelding 6">
             <a:extLst>
               <a:ext uri="{FF2B5EF4-FFF2-40B4-BE49-F238E27FC236}">
-                <a16:creationId xmlns:a16="http://schemas.microsoft.com/office/drawing/2014/main" id="{6273F82A-EDE6-4093-B306-01DC34F3E28C}"/>
+                <a16:creationId xmlns:a16="http://schemas.microsoft.com/office/drawing/2014/main" id="{6BDD05AE-EABE-4483-9A84-2047551D2E65}"/>
               </a:ext>
             </a:extLst>
           </p:cNvPr>
@@ -5309,44 +5349,8 @@
         </p:blipFill>
         <p:spPr>
           <a:xfrm>
-            <a:off x="3764381" y="-4572"/>
-            <a:ext cx="3484756" cy="6858000"/>
-          </a:xfrm>
-          <a:prstGeom prst="rect">
-            <a:avLst/>
-          </a:prstGeom>
-        </p:spPr>
-      </p:pic>
-      <p:pic>
-        <p:nvPicPr>
-          <p:cNvPr id="8" name="Afbeelding 7">
-            <a:extLst>
-              <a:ext uri="{FF2B5EF4-FFF2-40B4-BE49-F238E27FC236}">
-                <a16:creationId xmlns:a16="http://schemas.microsoft.com/office/drawing/2014/main" id="{499D9CFD-0BA4-480B-A7DA-77B14CE6AEA6}"/>
-              </a:ext>
-            </a:extLst>
-          </p:cNvPr>
-          <p:cNvPicPr>
-            <a:picLocks noChangeAspect="1"/>
-          </p:cNvPicPr>
-          <p:nvPr/>
-        </p:nvPicPr>
-        <p:blipFill>
-          <a:blip r:embed="rId4">
-            <a:extLst>
-              <a:ext uri="{28A0092B-C50C-407E-A947-70E740481C1C}">
-                <a14:useLocalDpi xmlns:a14="http://schemas.microsoft.com/office/drawing/2010/main" val="0"/>
-              </a:ext>
-            </a:extLst>
-          </a:blip>
-          <a:stretch>
-            <a:fillRect/>
-          </a:stretch>
-        </p:blipFill>
-        <p:spPr>
-          <a:xfrm>
-            <a:off x="7943598" y="0"/>
-            <a:ext cx="3571875" cy="6457950"/>
+            <a:off x="745620" y="0"/>
+            <a:ext cx="2780270" cy="6858000"/>
           </a:xfrm>
           <a:prstGeom prst="rect">
             <a:avLst/>
@@ -5356,7 +5360,7 @@
     </p:spTree>
     <p:extLst>
       <p:ext uri="{BB962C8B-B14F-4D97-AF65-F5344CB8AC3E}">
-        <p14:creationId xmlns:p14="http://schemas.microsoft.com/office/powerpoint/2010/main" val="3943376357"/>
+        <p14:creationId xmlns:p14="http://schemas.microsoft.com/office/powerpoint/2010/main" val="2500282421"/>
       </p:ext>
     </p:extLst>
   </p:cSld>
